--- a/06DesignSEO.pptx
+++ b/06DesignSEO.pptx
@@ -5,15 +5,18 @@
     <p:sldMasterId id="2147483684" r:id="rId1"/>
   </p:sldMasterIdLst>
   <p:notesMasterIdLst>
-    <p:notesMasterId r:id="rId8"/>
+    <p:notesMasterId r:id="rId11"/>
   </p:notesMasterIdLst>
   <p:sldIdLst>
     <p:sldId id="256" r:id="rId2"/>
     <p:sldId id="261" r:id="rId3"/>
     <p:sldId id="264" r:id="rId4"/>
     <p:sldId id="262" r:id="rId5"/>
-    <p:sldId id="263" r:id="rId6"/>
-    <p:sldId id="260" r:id="rId7"/>
+    <p:sldId id="267" r:id="rId6"/>
+    <p:sldId id="265" r:id="rId7"/>
+    <p:sldId id="266" r:id="rId8"/>
+    <p:sldId id="263" r:id="rId9"/>
+    <p:sldId id="260" r:id="rId10"/>
   </p:sldIdLst>
   <p:sldSz cx="12192000" cy="6858000"/>
   <p:notesSz cx="6858000" cy="9144000"/>
@@ -202,7 +205,7 @@
           <a:p>
             <a:fld id="{86035F98-A1BD-4CEA-97BE-8B0B3D35457A}" type="datetimeFigureOut">
               <a:rPr lang="de-DE" smtClean="0"/>
-              <a:t>28.05.2018</a:t>
+              <a:t>05.06.2018</a:t>
             </a:fld>
             <a:endParaRPr lang="de-DE"/>
           </a:p>
@@ -598,7 +601,7 @@
           <a:p>
             <a:fld id="{D92B96C3-1F42-476F-BF68-0478C74608EE}" type="datetimeFigureOut">
               <a:rPr lang="de-DE" smtClean="0"/>
-              <a:t>28.05.2018</a:t>
+              <a:t>05.06.2018</a:t>
             </a:fld>
             <a:endParaRPr lang="de-DE"/>
           </a:p>
@@ -766,7 +769,7 @@
           <a:p>
             <a:fld id="{D92B96C3-1F42-476F-BF68-0478C74608EE}" type="datetimeFigureOut">
               <a:rPr lang="de-DE" smtClean="0"/>
-              <a:t>28.05.2018</a:t>
+              <a:t>05.06.2018</a:t>
             </a:fld>
             <a:endParaRPr lang="de-DE"/>
           </a:p>
@@ -944,7 +947,7 @@
           <a:p>
             <a:fld id="{D92B96C3-1F42-476F-BF68-0478C74608EE}" type="datetimeFigureOut">
               <a:rPr lang="de-DE" smtClean="0"/>
-              <a:t>28.05.2018</a:t>
+              <a:t>05.06.2018</a:t>
             </a:fld>
             <a:endParaRPr lang="de-DE"/>
           </a:p>
@@ -1112,7 +1115,7 @@
           <a:p>
             <a:fld id="{D92B96C3-1F42-476F-BF68-0478C74608EE}" type="datetimeFigureOut">
               <a:rPr lang="de-DE" smtClean="0"/>
-              <a:t>28.05.2018</a:t>
+              <a:t>05.06.2018</a:t>
             </a:fld>
             <a:endParaRPr lang="de-DE"/>
           </a:p>
@@ -1357,7 +1360,7 @@
           <a:p>
             <a:fld id="{D92B96C3-1F42-476F-BF68-0478C74608EE}" type="datetimeFigureOut">
               <a:rPr lang="de-DE" smtClean="0"/>
-              <a:t>28.05.2018</a:t>
+              <a:t>05.06.2018</a:t>
             </a:fld>
             <a:endParaRPr lang="de-DE"/>
           </a:p>
@@ -1586,7 +1589,7 @@
           <a:p>
             <a:fld id="{D92B96C3-1F42-476F-BF68-0478C74608EE}" type="datetimeFigureOut">
               <a:rPr lang="de-DE" smtClean="0"/>
-              <a:t>28.05.2018</a:t>
+              <a:t>05.06.2018</a:t>
             </a:fld>
             <a:endParaRPr lang="de-DE"/>
           </a:p>
@@ -1950,7 +1953,7 @@
           <a:p>
             <a:fld id="{D92B96C3-1F42-476F-BF68-0478C74608EE}" type="datetimeFigureOut">
               <a:rPr lang="de-DE" smtClean="0"/>
-              <a:t>28.05.2018</a:t>
+              <a:t>05.06.2018</a:t>
             </a:fld>
             <a:endParaRPr lang="de-DE"/>
           </a:p>
@@ -2067,7 +2070,7 @@
           <a:p>
             <a:fld id="{D92B96C3-1F42-476F-BF68-0478C74608EE}" type="datetimeFigureOut">
               <a:rPr lang="de-DE" smtClean="0"/>
-              <a:t>28.05.2018</a:t>
+              <a:t>05.06.2018</a:t>
             </a:fld>
             <a:endParaRPr lang="de-DE"/>
           </a:p>
@@ -2162,7 +2165,7 @@
           <a:p>
             <a:fld id="{D92B96C3-1F42-476F-BF68-0478C74608EE}" type="datetimeFigureOut">
               <a:rPr lang="de-DE" smtClean="0"/>
-              <a:t>28.05.2018</a:t>
+              <a:t>05.06.2018</a:t>
             </a:fld>
             <a:endParaRPr lang="de-DE"/>
           </a:p>
@@ -2437,7 +2440,7 @@
           <a:p>
             <a:fld id="{D92B96C3-1F42-476F-BF68-0478C74608EE}" type="datetimeFigureOut">
               <a:rPr lang="de-DE" smtClean="0"/>
-              <a:t>28.05.2018</a:t>
+              <a:t>05.06.2018</a:t>
             </a:fld>
             <a:endParaRPr lang="de-DE"/>
           </a:p>
@@ -2689,7 +2692,7 @@
           <a:p>
             <a:fld id="{D92B96C3-1F42-476F-BF68-0478C74608EE}" type="datetimeFigureOut">
               <a:rPr lang="de-DE" smtClean="0"/>
-              <a:t>28.05.2018</a:t>
+              <a:t>05.06.2018</a:t>
             </a:fld>
             <a:endParaRPr lang="de-DE"/>
           </a:p>
@@ -2900,7 +2903,7 @@
           <a:p>
             <a:fld id="{D92B96C3-1F42-476F-BF68-0478C74608EE}" type="datetimeFigureOut">
               <a:rPr lang="de-DE" smtClean="0"/>
-              <a:t>28.05.2018</a:t>
+              <a:t>05.06.2018</a:t>
             </a:fld>
             <a:endParaRPr lang="de-DE"/>
           </a:p>
@@ -3512,7 +3515,6 @@
               <a:rPr lang="de-DE" dirty="0" smtClean="0"/>
               <a:t> Head</a:t>
             </a:r>
-            <a:endParaRPr lang="de-DE" dirty="0" smtClean="0"/>
           </a:p>
           <a:p>
             <a:r>
@@ -3540,8 +3542,32 @@
           <a:p>
             <a:r>
               <a:rPr lang="de-DE" dirty="0" smtClean="0"/>
-              <a:t>H1, H2</a:t>
-            </a:r>
+              <a:t>H1, </a:t>
+            </a:r>
+            <a:r>
+              <a:rPr lang="de-DE" dirty="0" smtClean="0"/>
+              <a:t>H2</a:t>
+            </a:r>
+          </a:p>
+          <a:p>
+            <a:r>
+              <a:rPr lang="de-DE" dirty="0" smtClean="0"/>
+              <a:t>Performance</a:t>
+            </a:r>
+          </a:p>
+          <a:p>
+            <a:pPr lvl="1"/>
+            <a:r>
+              <a:rPr lang="de-DE" dirty="0" smtClean="0"/>
+              <a:t>Browser Cache</a:t>
+            </a:r>
+          </a:p>
+          <a:p>
+            <a:r>
+              <a:rPr lang="de-DE" dirty="0" smtClean="0"/>
+              <a:t>SSL</a:t>
+            </a:r>
+            <a:endParaRPr lang="de-DE" dirty="0" smtClean="0"/>
           </a:p>
         </p:txBody>
       </p:sp>
@@ -3672,6 +3698,13 @@
   <p:clrMapOvr>
     <a:masterClrMapping/>
   </p:clrMapOvr>
+  <p:timing>
+    <p:tnLst>
+      <p:par>
+        <p:cTn id="1" dur="indefinite" restart="never" nodeType="tmRoot"/>
+      </p:par>
+    </p:tnLst>
+  </p:timing>
 </p:sld>
 </file>
 
@@ -3784,13 +3817,13 @@
           <a:p>
             <a:pPr lvl="1"/>
             <a:r>
-              <a:rPr lang="de-DE" smtClean="0"/>
+              <a:rPr lang="de-DE" dirty="0" smtClean="0"/>
               <a:t># 1-12</a:t>
             </a:r>
           </a:p>
           <a:p>
             <a:pPr lvl="1"/>
-            <a:endParaRPr lang="de-DE" smtClean="0"/>
+            <a:endParaRPr lang="de-DE" dirty="0" smtClean="0"/>
           </a:p>
         </p:txBody>
       </p:sp>
@@ -3848,6 +3881,382 @@
           <a:p>
             <a:r>
               <a:rPr lang="de-DE" dirty="0" smtClean="0"/>
+              <a:t>Card</a:t>
+            </a:r>
+            <a:endParaRPr lang="de-DE" dirty="0"/>
+          </a:p>
+        </p:txBody>
+      </p:sp>
+      <p:sp>
+        <p:nvSpPr>
+          <p:cNvPr id="3" name="Inhaltsplatzhalter 2"/>
+          <p:cNvSpPr>
+            <a:spLocks noGrp="1"/>
+          </p:cNvSpPr>
+          <p:nvPr>
+            <p:ph idx="1"/>
+          </p:nvPr>
+        </p:nvSpPr>
+        <p:spPr/>
+        <p:txBody>
+          <a:bodyPr/>
+          <a:lstStyle/>
+          <a:p>
+            <a:endParaRPr lang="de-DE"/>
+          </a:p>
+        </p:txBody>
+      </p:sp>
+    </p:spTree>
+    <p:extLst>
+      <p:ext uri="{BB962C8B-B14F-4D97-AF65-F5344CB8AC3E}">
+        <p14:creationId xmlns:p14="http://schemas.microsoft.com/office/powerpoint/2010/main" val="297035304"/>
+      </p:ext>
+    </p:extLst>
+  </p:cSld>
+  <p:clrMapOvr>
+    <a:masterClrMapping/>
+  </p:clrMapOvr>
+  <p:timing>
+    <p:tnLst>
+      <p:par>
+        <p:cTn id="1" dur="indefinite" restart="never" nodeType="tmRoot"/>
+      </p:par>
+    </p:tnLst>
+  </p:timing>
+</p:sld>
+</file>
+
+<file path=ppt/slides/slide6.xml><?xml version="1.0" encoding="utf-8"?>
+<p:sld xmlns:a="http://schemas.openxmlformats.org/drawingml/2006/main" xmlns:r="http://schemas.openxmlformats.org/officeDocument/2006/relationships" xmlns:p="http://schemas.openxmlformats.org/presentationml/2006/main">
+  <p:cSld>
+    <p:spTree>
+      <p:nvGrpSpPr>
+        <p:cNvPr id="1" name=""/>
+        <p:cNvGrpSpPr/>
+        <p:nvPr/>
+      </p:nvGrpSpPr>
+      <p:grpSpPr>
+        <a:xfrm>
+          <a:off x="0" y="0"/>
+          <a:ext cx="0" cy="0"/>
+          <a:chOff x="0" y="0"/>
+          <a:chExt cx="0" cy="0"/>
+        </a:xfrm>
+      </p:grpSpPr>
+      <p:sp>
+        <p:nvSpPr>
+          <p:cNvPr id="2" name="Titel 1"/>
+          <p:cNvSpPr>
+            <a:spLocks noGrp="1"/>
+          </p:cNvSpPr>
+          <p:nvPr>
+            <p:ph type="title"/>
+          </p:nvPr>
+        </p:nvSpPr>
+        <p:spPr/>
+        <p:txBody>
+          <a:bodyPr/>
+          <a:lstStyle/>
+          <a:p>
+            <a:r>
+              <a:rPr lang="de-DE" dirty="0" smtClean="0"/>
+              <a:t>Boostrap Formular</a:t>
+            </a:r>
+            <a:endParaRPr lang="de-DE" dirty="0"/>
+          </a:p>
+        </p:txBody>
+      </p:sp>
+      <p:sp>
+        <p:nvSpPr>
+          <p:cNvPr id="3" name="Inhaltsplatzhalter 2"/>
+          <p:cNvSpPr>
+            <a:spLocks noGrp="1"/>
+          </p:cNvSpPr>
+          <p:nvPr>
+            <p:ph idx="1"/>
+          </p:nvPr>
+        </p:nvSpPr>
+        <p:spPr>
+          <a:xfrm>
+            <a:off x="838200" y="1850849"/>
+            <a:ext cx="10515600" cy="4351338"/>
+          </a:xfrm>
+        </p:spPr>
+        <p:txBody>
+          <a:bodyPr/>
+          <a:lstStyle/>
+          <a:p>
+            <a:r>
+              <a:rPr lang="de-DE" dirty="0" smtClean="0"/>
+              <a:t>Form-Group</a:t>
+            </a:r>
+          </a:p>
+          <a:p>
+            <a:pPr lvl="1"/>
+            <a:r>
+              <a:rPr lang="de-DE" dirty="0" smtClean="0"/>
+              <a:t>Label</a:t>
+            </a:r>
+          </a:p>
+          <a:p>
+            <a:pPr lvl="1"/>
+            <a:r>
+              <a:rPr lang="de-DE" dirty="0" smtClean="0"/>
+              <a:t>Input Form-Control</a:t>
+            </a:r>
+          </a:p>
+          <a:p>
+            <a:r>
+              <a:rPr lang="de-DE" dirty="0" smtClean="0"/>
+              <a:t>Buttons</a:t>
+            </a:r>
+          </a:p>
+          <a:p>
+            <a:pPr lvl="1"/>
+            <a:r>
+              <a:rPr lang="de-DE" dirty="0" smtClean="0"/>
+              <a:t>Button Group</a:t>
+            </a:r>
+          </a:p>
+          <a:p>
+            <a:r>
+              <a:rPr lang="de-DE" dirty="0" smtClean="0"/>
+              <a:t>Input Group </a:t>
+            </a:r>
+          </a:p>
+          <a:p>
+            <a:pPr lvl="1"/>
+            <a:r>
+              <a:rPr lang="de-DE" dirty="0" smtClean="0"/>
+              <a:t>Search</a:t>
+            </a:r>
+            <a:endParaRPr lang="de-DE" dirty="0"/>
+          </a:p>
+        </p:txBody>
+      </p:sp>
+      <p:sp>
+        <p:nvSpPr>
+          <p:cNvPr id="4" name="Rechteck 3"/>
+          <p:cNvSpPr/>
+          <p:nvPr/>
+        </p:nvSpPr>
+        <p:spPr>
+          <a:xfrm>
+            <a:off x="5330847" y="2065785"/>
+            <a:ext cx="6096000" cy="1200329"/>
+          </a:xfrm>
+          <a:prstGeom prst="rect">
+            <a:avLst/>
+          </a:prstGeom>
+        </p:spPr>
+        <p:txBody>
+          <a:bodyPr>
+            <a:spAutoFit/>
+          </a:bodyPr>
+          <a:lstStyle/>
+          <a:p>
+            <a:r>
+              <a:rPr lang="en-US" dirty="0"/>
+              <a:t>&lt;div class="input-group"&gt;  &lt;input class="form-control"         placeholder</a:t>
+            </a:r>
+            <a:r>
+              <a:rPr lang="en-US" dirty="0" smtClean="0"/>
+              <a:t>=“</a:t>
+            </a:r>
+            <a:r>
+              <a:rPr lang="en-US" dirty="0" err="1" smtClean="0"/>
+              <a:t>suche</a:t>
+            </a:r>
+            <a:r>
+              <a:rPr lang="en-US" smtClean="0"/>
+              <a:t>!"&gt;</a:t>
+            </a:r>
+            <a:br>
+              <a:rPr lang="en-US" smtClean="0"/>
+            </a:br>
+            <a:r>
+              <a:rPr lang="en-US" smtClean="0"/>
+              <a:t>  </a:t>
+            </a:r>
+            <a:r>
+              <a:rPr lang="en-US" dirty="0"/>
+              <a:t>&lt;div class="input-group-</a:t>
+            </a:r>
+            <a:r>
+              <a:rPr lang="en-US" dirty="0" err="1"/>
+              <a:t>addon</a:t>
+            </a:r>
+            <a:r>
+              <a:rPr lang="en-US" dirty="0"/>
+              <a:t>" &gt;&lt;</a:t>
+            </a:r>
+            <a:r>
+              <a:rPr lang="en-US" dirty="0" err="1"/>
+              <a:t>i</a:t>
+            </a:r>
+            <a:r>
+              <a:rPr lang="en-US" dirty="0"/>
+              <a:t> class="fa fa-search"&gt;&lt;/</a:t>
+            </a:r>
+            <a:r>
+              <a:rPr lang="en-US" dirty="0" err="1"/>
+              <a:t>i</a:t>
+            </a:r>
+            <a:r>
+              <a:rPr lang="en-US" dirty="0"/>
+              <a:t>&gt;&lt;/div&gt;&lt;/div&gt;</a:t>
+            </a:r>
+            <a:endParaRPr lang="de-DE" dirty="0"/>
+          </a:p>
+        </p:txBody>
+      </p:sp>
+    </p:spTree>
+    <p:extLst>
+      <p:ext uri="{BB962C8B-B14F-4D97-AF65-F5344CB8AC3E}">
+        <p14:creationId xmlns:p14="http://schemas.microsoft.com/office/powerpoint/2010/main" val="4082422040"/>
+      </p:ext>
+    </p:extLst>
+  </p:cSld>
+  <p:clrMapOvr>
+    <a:masterClrMapping/>
+  </p:clrMapOvr>
+  <p:timing>
+    <p:tnLst>
+      <p:par>
+        <p:cTn id="1" dur="indefinite" restart="never" nodeType="tmRoot"/>
+      </p:par>
+    </p:tnLst>
+  </p:timing>
+</p:sld>
+</file>
+
+<file path=ppt/slides/slide7.xml><?xml version="1.0" encoding="utf-8"?>
+<p:sld xmlns:a="http://schemas.openxmlformats.org/drawingml/2006/main" xmlns:r="http://schemas.openxmlformats.org/officeDocument/2006/relationships" xmlns:p="http://schemas.openxmlformats.org/presentationml/2006/main">
+  <p:cSld>
+    <p:spTree>
+      <p:nvGrpSpPr>
+        <p:cNvPr id="1" name=""/>
+        <p:cNvGrpSpPr/>
+        <p:nvPr/>
+      </p:nvGrpSpPr>
+      <p:grpSpPr>
+        <a:xfrm>
+          <a:off x="0" y="0"/>
+          <a:ext cx="0" cy="0"/>
+          <a:chOff x="0" y="0"/>
+          <a:chExt cx="0" cy="0"/>
+        </a:xfrm>
+      </p:grpSpPr>
+      <p:sp>
+        <p:nvSpPr>
+          <p:cNvPr id="2" name="Titel 1"/>
+          <p:cNvSpPr>
+            <a:spLocks noGrp="1"/>
+          </p:cNvSpPr>
+          <p:nvPr>
+            <p:ph type="title"/>
+          </p:nvPr>
+        </p:nvSpPr>
+        <p:spPr/>
+        <p:txBody>
+          <a:bodyPr/>
+          <a:lstStyle/>
+          <a:p>
+            <a:r>
+              <a:rPr lang="de-DE" dirty="0" smtClean="0"/>
+              <a:t>Boostrap Popup</a:t>
+            </a:r>
+            <a:endParaRPr lang="de-DE" dirty="0"/>
+          </a:p>
+        </p:txBody>
+      </p:sp>
+      <p:sp>
+        <p:nvSpPr>
+          <p:cNvPr id="3" name="Inhaltsplatzhalter 2"/>
+          <p:cNvSpPr>
+            <a:spLocks noGrp="1"/>
+          </p:cNvSpPr>
+          <p:nvPr>
+            <p:ph idx="1"/>
+          </p:nvPr>
+        </p:nvSpPr>
+        <p:spPr/>
+        <p:txBody>
+          <a:bodyPr/>
+          <a:lstStyle/>
+          <a:p>
+            <a:r>
+              <a:rPr lang="de-DE" dirty="0" smtClean="0"/>
+              <a:t>Alert</a:t>
+            </a:r>
+          </a:p>
+          <a:p>
+            <a:r>
+              <a:rPr lang="de-DE" dirty="0" smtClean="0"/>
+              <a:t>Modal </a:t>
+            </a:r>
+            <a:r>
+              <a:rPr lang="de-DE" dirty="0" err="1" smtClean="0"/>
+              <a:t>Window</a:t>
+            </a:r>
+            <a:endParaRPr lang="de-DE" dirty="0"/>
+          </a:p>
+        </p:txBody>
+      </p:sp>
+    </p:spTree>
+    <p:extLst>
+      <p:ext uri="{BB962C8B-B14F-4D97-AF65-F5344CB8AC3E}">
+        <p14:creationId xmlns:p14="http://schemas.microsoft.com/office/powerpoint/2010/main" val="99044163"/>
+      </p:ext>
+    </p:extLst>
+  </p:cSld>
+  <p:clrMapOvr>
+    <a:masterClrMapping/>
+  </p:clrMapOvr>
+  <p:timing>
+    <p:tnLst>
+      <p:par>
+        <p:cTn id="1" dur="indefinite" restart="never" nodeType="tmRoot"/>
+      </p:par>
+    </p:tnLst>
+  </p:timing>
+</p:sld>
+</file>
+
+<file path=ppt/slides/slide8.xml><?xml version="1.0" encoding="utf-8"?>
+<p:sld xmlns:a="http://schemas.openxmlformats.org/drawingml/2006/main" xmlns:r="http://schemas.openxmlformats.org/officeDocument/2006/relationships" xmlns:p="http://schemas.openxmlformats.org/presentationml/2006/main">
+  <p:cSld>
+    <p:spTree>
+      <p:nvGrpSpPr>
+        <p:cNvPr id="1" name=""/>
+        <p:cNvGrpSpPr/>
+        <p:nvPr/>
+      </p:nvGrpSpPr>
+      <p:grpSpPr>
+        <a:xfrm>
+          <a:off x="0" y="0"/>
+          <a:ext cx="0" cy="0"/>
+          <a:chOff x="0" y="0"/>
+          <a:chExt cx="0" cy="0"/>
+        </a:xfrm>
+      </p:grpSpPr>
+      <p:sp>
+        <p:nvSpPr>
+          <p:cNvPr id="2" name="Titel 1"/>
+          <p:cNvSpPr>
+            <a:spLocks noGrp="1"/>
+          </p:cNvSpPr>
+          <p:nvPr>
+            <p:ph type="title"/>
+          </p:nvPr>
+        </p:nvSpPr>
+        <p:spPr/>
+        <p:txBody>
+          <a:bodyPr/>
+          <a:lstStyle/>
+          <a:p>
+            <a:r>
+              <a:rPr lang="de-DE" dirty="0" smtClean="0"/>
               <a:t>Mobile Framework</a:t>
             </a:r>
             <a:endParaRPr lang="de-DE" dirty="0"/>
@@ -3901,7 +4310,7 @@
 </p:sld>
 </file>
 
-<file path=ppt/slides/slide6.xml><?xml version="1.0" encoding="utf-8"?>
+<file path=ppt/slides/slide9.xml><?xml version="1.0" encoding="utf-8"?>
 <p:sld xmlns:a="http://schemas.openxmlformats.org/drawingml/2006/main" xmlns:r="http://schemas.openxmlformats.org/officeDocument/2006/relationships" xmlns:p="http://schemas.openxmlformats.org/presentationml/2006/main">
   <p:cSld>
     <p:spTree>
